--- a/ElasticsearchDark.pptx
+++ b/ElasticsearchDark.pptx
@@ -4622,67 +4622,15 @@
           <a:chExt cx="0" cy="0"/>
         </a:xfrm>
       </p:grpSpPr>
-      <p:sp>
-        <p:nvSpPr>
-          <p:cNvPr id="2" name="Заголовок 1">
-            <a:extLst>
-              <a:ext uri="{FF2B5EF4-FFF2-40B4-BE49-F238E27FC236}">
-                <a16:creationId xmlns:a16="http://schemas.microsoft.com/office/drawing/2014/main" id="{178F8DFD-65F2-425D-912A-287C9A3DC5D0}"/>
-              </a:ext>
-            </a:extLst>
-          </p:cNvPr>
-          <p:cNvSpPr>
-            <a:spLocks noGrp="1"/>
-          </p:cNvSpPr>
-          <p:nvPr>
-            <p:ph type="ctrTitle"/>
-          </p:nvPr>
-        </p:nvSpPr>
-        <p:spPr>
-          <a:xfrm>
-            <a:off x="553411" y="333214"/>
-            <a:ext cx="5438294" cy="989400"/>
-          </a:xfrm>
-        </p:spPr>
-        <p:txBody>
-          <a:bodyPr>
-            <a:normAutofit/>
-          </a:bodyPr>
-          <a:lstStyle/>
-          <a:p>
-            <a:r>
-              <a:rPr lang="en-US" sz="5400" dirty="0" err="1">
-                <a:solidFill>
-                  <a:schemeClr val="tx1">
-                    <a:lumMod val="95000"/>
-                  </a:schemeClr>
-                </a:solidFill>
-              </a:rPr>
-              <a:t>Grafana</a:t>
-            </a:r>
-            <a:r>
-              <a:rPr lang="en-US" sz="5400" dirty="0">
-                <a:solidFill>
-                  <a:schemeClr val="tx1">
-                    <a:lumMod val="95000"/>
-                  </a:schemeClr>
-                </a:solidFill>
-              </a:rPr>
-              <a:t> dashboard</a:t>
-            </a:r>
-            <a:endParaRPr lang="ru-RU" sz="5400" dirty="0">
-              <a:solidFill>
-                <a:schemeClr val="tx1">
-                  <a:lumMod val="95000"/>
-                </a:schemeClr>
-              </a:solidFill>
-            </a:endParaRPr>
-          </a:p>
-        </p:txBody>
-      </p:sp>
       <p:pic>
         <p:nvPicPr>
-          <p:cNvPr id="3" name="Рисунок 2"/>
+          <p:cNvPr id="4" name="Рисунок 3">
+            <a:extLst>
+              <a:ext uri="{FF2B5EF4-FFF2-40B4-BE49-F238E27FC236}">
+                <a16:creationId xmlns:a16="http://schemas.microsoft.com/office/drawing/2014/main" id="{2C8614F9-2DF4-41B5-B8DF-68345E6E70E9}"/>
+              </a:ext>
+            </a:extLst>
+          </p:cNvPr>
           <p:cNvPicPr>
             <a:picLocks noChangeAspect="1"/>
           </p:cNvPicPr>
@@ -4696,14 +4644,77 @@
         </p:blipFill>
         <p:spPr>
           <a:xfrm>
-            <a:off x="1643280" y="2418129"/>
-            <a:ext cx="9561373" cy="1852120"/>
+            <a:off x="1809181" y="2400562"/>
+            <a:ext cx="9552007" cy="2056876"/>
           </a:xfrm>
           <a:prstGeom prst="rect">
             <a:avLst/>
           </a:prstGeom>
         </p:spPr>
       </p:pic>
+      <p:sp>
+        <p:nvSpPr>
+          <p:cNvPr id="5" name="Заголовок 1">
+            <a:extLst>
+              <a:ext uri="{FF2B5EF4-FFF2-40B4-BE49-F238E27FC236}">
+                <a16:creationId xmlns:a16="http://schemas.microsoft.com/office/drawing/2014/main" id="{B00F4242-DE39-41BE-AAF3-9A73410DFA39}"/>
+              </a:ext>
+            </a:extLst>
+          </p:cNvPr>
+          <p:cNvSpPr txBox="1">
+            <a:spLocks/>
+          </p:cNvSpPr>
+          <p:nvPr/>
+        </p:nvSpPr>
+        <p:spPr>
+          <a:xfrm>
+            <a:off x="-83588" y="277402"/>
+            <a:ext cx="7121535" cy="1255683"/>
+          </a:xfrm>
+          <a:prstGeom prst="rect">
+            <a:avLst/>
+          </a:prstGeom>
+        </p:spPr>
+        <p:txBody>
+          <a:bodyPr vert="horz" lIns="91440" tIns="45720" rIns="91440" bIns="45720" rtlCol="0" anchor="b">
+            <a:normAutofit/>
+          </a:bodyPr>
+          <a:lstStyle>
+            <a:lvl1pPr algn="ctr" defTabSz="914400" rtl="0" eaLnBrk="1" latinLnBrk="0" hangingPunct="1">
+              <a:lnSpc>
+                <a:spcPct val="90000"/>
+              </a:lnSpc>
+              <a:spcBef>
+                <a:spcPct val="0"/>
+              </a:spcBef>
+              <a:buNone/>
+              <a:defRPr sz="6000" kern="1200">
+                <a:solidFill>
+                  <a:schemeClr val="tx1"/>
+                </a:solidFill>
+                <a:latin typeface="+mj-lt"/>
+                <a:ea typeface="+mj-ea"/>
+                <a:cs typeface="+mj-cs"/>
+              </a:defRPr>
+            </a:lvl1pPr>
+          </a:lstStyle>
+          <a:p>
+            <a:r>
+              <a:rPr lang="en-US" dirty="0">
+                <a:solidFill>
+                  <a:srgbClr val="117AA2"/>
+                </a:solidFill>
+              </a:rPr>
+              <a:t>Grafana dashboard</a:t>
+            </a:r>
+            <a:endParaRPr lang="ru-RU" dirty="0">
+              <a:solidFill>
+                <a:srgbClr val="117AA2"/>
+              </a:solidFill>
+            </a:endParaRPr>
+          </a:p>
+        </p:txBody>
+      </p:sp>
     </p:spTree>
     <p:extLst>
       <p:ext uri="{BB962C8B-B14F-4D97-AF65-F5344CB8AC3E}">
